--- a/Office Add-Ins.pptx
+++ b/Office Add-Ins.pptx
@@ -5,15 +5,16 @@
     <p:sldMasterId id="2147483648" r:id="rId1"/>
   </p:sldMasterIdLst>
   <p:notesMasterIdLst>
-    <p:notesMasterId r:id="rId8"/>
+    <p:notesMasterId r:id="rId9"/>
   </p:notesMasterIdLst>
   <p:sldIdLst>
     <p:sldId id="256" r:id="rId2"/>
     <p:sldId id="263" r:id="rId3"/>
     <p:sldId id="273" r:id="rId4"/>
-    <p:sldId id="276" r:id="rId5"/>
-    <p:sldId id="262" r:id="rId6"/>
-    <p:sldId id="274" r:id="rId7"/>
+    <p:sldId id="264" r:id="rId5"/>
+    <p:sldId id="276" r:id="rId6"/>
+    <p:sldId id="262" r:id="rId7"/>
+    <p:sldId id="274" r:id="rId8"/>
   </p:sldIdLst>
   <p:sldSz cx="12192000" cy="6858000"/>
   <p:notesSz cx="6858000" cy="9144000"/>
@@ -137,6 +138,9 @@
         </p15:guide>
       </p15:sldGuideLst>
     </p:ext>
+    <p:ext uri="{2D200454-40CA-4A62-9FC3-DE9A4176ACB9}">
+      <p15:notesGuideLst xmlns:p15="http://schemas.microsoft.com/office/powerpoint/2012/main"/>
+    </p:ext>
   </p:extLst>
 </p:presentation>
 </file>
@@ -223,7 +227,7 @@
           <a:p>
             <a:fld id="{A52D2F97-E139-4A6A-A5F3-F92C9DA539A8}" type="datetimeFigureOut">
               <a:rPr lang="en-US" smtClean="0"/>
-              <a:t>9/11/2019</a:t>
+              <a:t>9/17/2019</a:t>
             </a:fld>
             <a:endParaRPr lang="en-US" dirty="0"/>
           </a:p>
@@ -567,7 +571,7 @@
           <a:p>
             <a:fld id="{D27F67B8-BDA5-4931-811B-0E977D648D97}" type="slidenum">
               <a:rPr lang="en-US" smtClean="0"/>
-              <a:t>5</a:t>
+              <a:t>6</a:t>
             </a:fld>
             <a:endParaRPr lang="en-US" dirty="0"/>
           </a:p>
@@ -1019,7 +1023,6 @@
           <a:ln>
             <a:noFill/>
           </a:ln>
-          <a:extLst/>
         </p:spPr>
         <p:txBody>
           <a:bodyPr wrap="none" anchor="ctr"/>
@@ -1255,7 +1258,6 @@
           <a:ln>
             <a:noFill/>
           </a:ln>
-          <a:extLst/>
         </p:spPr>
         <p:txBody>
           <a:bodyPr wrap="none" anchor="ctr"/>
@@ -1830,7 +1832,6 @@
           <a:ln>
             <a:noFill/>
           </a:ln>
-          <a:extLst/>
         </p:spPr>
         <p:txBody>
           <a:bodyPr wrap="none" anchor="ctr"/>
@@ -2066,7 +2067,6 @@
           <a:ln>
             <a:noFill/>
           </a:ln>
-          <a:extLst/>
         </p:spPr>
         <p:txBody>
           <a:bodyPr wrap="none" anchor="ctr"/>
@@ -2977,7 +2977,6 @@
           <a:ln>
             <a:noFill/>
           </a:ln>
-          <a:extLst/>
         </p:spPr>
         <p:txBody>
           <a:bodyPr wrap="none" anchor="ctr"/>
@@ -3213,7 +3212,6 @@
           <a:ln>
             <a:noFill/>
           </a:ln>
-          <a:extLst/>
         </p:spPr>
         <p:txBody>
           <a:bodyPr wrap="none" anchor="ctr"/>
@@ -4010,7 +4008,6 @@
           <a:ln>
             <a:noFill/>
           </a:ln>
-          <a:extLst/>
         </p:spPr>
         <p:txBody>
           <a:bodyPr wrap="none" anchor="ctr"/>
@@ -4246,7 +4243,6 @@
           <a:ln>
             <a:noFill/>
           </a:ln>
-          <a:extLst/>
         </p:spPr>
         <p:txBody>
           <a:bodyPr wrap="none" anchor="ctr"/>
@@ -4791,7 +4787,6 @@
           <a:ln>
             <a:noFill/>
           </a:ln>
-          <a:extLst/>
         </p:spPr>
         <p:txBody>
           <a:bodyPr wrap="none" anchor="ctr"/>
@@ -5027,7 +5022,6 @@
           <a:ln>
             <a:noFill/>
           </a:ln>
-          <a:extLst/>
         </p:spPr>
         <p:txBody>
           <a:bodyPr wrap="none" anchor="ctr"/>
@@ -5502,8 +5496,8 @@
         </p:nvSpPr>
         <p:spPr>
           <a:xfrm>
-            <a:off x="3138565" y="3380875"/>
-            <a:ext cx="5914889" cy="456215"/>
+            <a:off x="3524631" y="3380875"/>
+            <a:ext cx="5142755" cy="456215"/>
           </a:xfrm>
           <a:prstGeom prst="rect">
             <a:avLst/>
@@ -5529,7 +5523,7 @@
                 <a:ea typeface="Lato Black" panose="020F0502020204030203" pitchFamily="34" charset="0"/>
                 <a:cs typeface="Lato Black" panose="020F0502020204030203" pitchFamily="34" charset="0"/>
               </a:rPr>
-              <a:t>- BUSINESS VALUE AND DEVELOPMENT OVERVIEW -</a:t>
+              <a:t>- BUSINESS AND DEVELOPMENT OVERVIEW -</a:t>
             </a:r>
           </a:p>
         </p:txBody>
@@ -5579,13 +5573,13 @@
   <p:clrMapOvr>
     <a:masterClrMapping/>
   </p:clrMapOvr>
-  <mc:AlternateContent xmlns:mc="http://schemas.openxmlformats.org/markup-compatibility/2006">
-    <mc:Choice xmlns:p14="http://schemas.microsoft.com/office/powerpoint/2010/main" Requires="p14">
+  <mc:AlternateContent xmlns:mc="http://schemas.openxmlformats.org/markup-compatibility/2006" xmlns:p14="http://schemas.microsoft.com/office/powerpoint/2010/main">
+    <mc:Choice Requires="p14">
       <p:transition spd="med" p14:dur="700">
         <p:fade/>
       </p:transition>
     </mc:Choice>
-    <mc:Fallback>
+    <mc:Fallback xmlns="">
       <p:transition spd="med">
         <p:fade/>
       </p:transition>
@@ -6180,13 +6174,13 @@
   <p:clrMapOvr>
     <a:masterClrMapping/>
   </p:clrMapOvr>
-  <mc:AlternateContent xmlns:mc="http://schemas.openxmlformats.org/markup-compatibility/2006">
-    <mc:Choice xmlns:p14="http://schemas.microsoft.com/office/powerpoint/2010/main" Requires="p14">
+  <mc:AlternateContent xmlns:mc="http://schemas.openxmlformats.org/markup-compatibility/2006" xmlns:p14="http://schemas.microsoft.com/office/powerpoint/2010/main">
+    <mc:Choice Requires="p14">
       <p:transition spd="med" p14:dur="700">
         <p:fade/>
       </p:transition>
     </mc:Choice>
-    <mc:Fallback>
+    <mc:Fallback xmlns="">
       <p:transition spd="med">
         <p:fade/>
       </p:transition>
@@ -7387,13 +7381,13 @@
   <p:clrMapOvr>
     <a:masterClrMapping/>
   </p:clrMapOvr>
-  <mc:AlternateContent xmlns:mc="http://schemas.openxmlformats.org/markup-compatibility/2006">
-    <mc:Choice xmlns:p14="http://schemas.microsoft.com/office/powerpoint/2010/main" Requires="p14">
+  <mc:AlternateContent xmlns:mc="http://schemas.openxmlformats.org/markup-compatibility/2006" xmlns:p14="http://schemas.microsoft.com/office/powerpoint/2010/main">
+    <mc:Choice Requires="p14">
       <p:transition spd="med" p14:dur="700">
         <p:fade/>
       </p:transition>
     </mc:Choice>
-    <mc:Fallback>
+    <mc:Fallback xmlns="">
       <p:transition spd="med">
         <p:fade/>
       </p:transition>
@@ -7796,6 +7790,935 @@
 </file>
 
 <file path=ppt/slides/slide4.xml><?xml version="1.0" encoding="utf-8"?>
+<p:sld xmlns:a="http://schemas.openxmlformats.org/drawingml/2006/main" xmlns:r="http://schemas.openxmlformats.org/officeDocument/2006/relationships" xmlns:p="http://schemas.openxmlformats.org/presentationml/2006/main">
+  <p:cSld>
+    <p:spTree>
+      <p:nvGrpSpPr>
+        <p:cNvPr id="1" name=""/>
+        <p:cNvGrpSpPr/>
+        <p:nvPr/>
+      </p:nvGrpSpPr>
+      <p:grpSpPr>
+        <a:xfrm>
+          <a:off x="0" y="0"/>
+          <a:ext cx="0" cy="0"/>
+          <a:chOff x="0" y="0"/>
+          <a:chExt cx="0" cy="0"/>
+        </a:xfrm>
+      </p:grpSpPr>
+      <p:sp>
+        <p:nvSpPr>
+          <p:cNvPr id="4" name="TextBox 3"/>
+          <p:cNvSpPr txBox="1"/>
+          <p:nvPr/>
+        </p:nvSpPr>
+        <p:spPr>
+          <a:xfrm>
+            <a:off x="834190" y="357102"/>
+            <a:ext cx="5399235" cy="646331"/>
+          </a:xfrm>
+          <a:prstGeom prst="rect">
+            <a:avLst/>
+          </a:prstGeom>
+          <a:noFill/>
+        </p:spPr>
+        <p:txBody>
+          <a:bodyPr wrap="none" rtlCol="0">
+            <a:spAutoFit/>
+          </a:bodyPr>
+          <a:lstStyle/>
+          <a:p>
+            <a:r>
+              <a:rPr lang="en-US" sz="3600" dirty="0">
+                <a:solidFill>
+                  <a:schemeClr val="bg1"/>
+                </a:solidFill>
+                <a:latin typeface="Lato Black" panose="020F0502020204030203" pitchFamily="34" charset="0"/>
+                <a:ea typeface="Lato Black" panose="020F0502020204030203" pitchFamily="34" charset="0"/>
+                <a:cs typeface="Lato Black" panose="020F0502020204030203" pitchFamily="34" charset="0"/>
+              </a:rPr>
+              <a:t>Outlook Add-In Examples</a:t>
+            </a:r>
+          </a:p>
+        </p:txBody>
+      </p:sp>
+      <p:cxnSp>
+        <p:nvCxnSpPr>
+          <p:cNvPr id="5" name="Straight Connector 4"/>
+          <p:cNvCxnSpPr/>
+          <p:nvPr/>
+        </p:nvCxnSpPr>
+        <p:spPr>
+          <a:xfrm>
+            <a:off x="918298" y="1029481"/>
+            <a:ext cx="914602" cy="0"/>
+          </a:xfrm>
+          <a:prstGeom prst="line">
+            <a:avLst/>
+          </a:prstGeom>
+          <a:ln w="57150">
+            <a:solidFill>
+              <a:srgbClr val="01CEAF"/>
+            </a:solidFill>
+          </a:ln>
+        </p:spPr>
+        <p:style>
+          <a:lnRef idx="1">
+            <a:schemeClr val="accent1"/>
+          </a:lnRef>
+          <a:fillRef idx="0">
+            <a:schemeClr val="accent1"/>
+          </a:fillRef>
+          <a:effectRef idx="0">
+            <a:schemeClr val="accent1"/>
+          </a:effectRef>
+          <a:fontRef idx="minor">
+            <a:schemeClr val="tx1"/>
+          </a:fontRef>
+        </p:style>
+      </p:cxnSp>
+      <p:sp>
+        <p:nvSpPr>
+          <p:cNvPr id="11" name="Rectangle 10"/>
+          <p:cNvSpPr/>
+          <p:nvPr/>
+        </p:nvSpPr>
+        <p:spPr>
+          <a:xfrm>
+            <a:off x="918298" y="5262279"/>
+            <a:ext cx="2607417" cy="547266"/>
+          </a:xfrm>
+          <a:prstGeom prst="rect">
+            <a:avLst/>
+          </a:prstGeom>
+        </p:spPr>
+        <p:txBody>
+          <a:bodyPr wrap="square">
+            <a:spAutoFit/>
+          </a:bodyPr>
+          <a:lstStyle/>
+          <a:p>
+            <a:pPr>
+              <a:lnSpc>
+                <a:spcPct val="130000"/>
+              </a:lnSpc>
+            </a:pPr>
+            <a:r>
+              <a:rPr lang="en-US" sz="1200" dirty="0">
+                <a:solidFill>
+                  <a:schemeClr val="bg1"/>
+                </a:solidFill>
+              </a:rPr>
+              <a:t>Key Benefit: Send and receive money without leaving your inbox.</a:t>
+            </a:r>
+          </a:p>
+        </p:txBody>
+      </p:sp>
+      <p:sp>
+        <p:nvSpPr>
+          <p:cNvPr id="12" name="TextBox 11"/>
+          <p:cNvSpPr txBox="1"/>
+          <p:nvPr/>
+        </p:nvSpPr>
+        <p:spPr>
+          <a:xfrm>
+            <a:off x="918298" y="4665281"/>
+            <a:ext cx="926536" cy="369332"/>
+          </a:xfrm>
+          <a:prstGeom prst="rect">
+            <a:avLst/>
+          </a:prstGeom>
+          <a:noFill/>
+        </p:spPr>
+        <p:txBody>
+          <a:bodyPr wrap="none" rtlCol="0">
+            <a:spAutoFit/>
+          </a:bodyPr>
+          <a:lstStyle/>
+          <a:p>
+            <a:r>
+              <a:rPr lang="en-US" dirty="0">
+                <a:solidFill>
+                  <a:schemeClr val="bg1"/>
+                </a:solidFill>
+                <a:latin typeface="Lato Black" panose="020F0502020204030203" pitchFamily="34" charset="0"/>
+                <a:ea typeface="Lato Black" panose="020F0502020204030203" pitchFamily="34" charset="0"/>
+                <a:cs typeface="Lato Black" panose="020F0502020204030203" pitchFamily="34" charset="0"/>
+              </a:rPr>
+              <a:t>PAYPAL</a:t>
+            </a:r>
+          </a:p>
+        </p:txBody>
+      </p:sp>
+      <p:sp>
+        <p:nvSpPr>
+          <p:cNvPr id="7" name="TextBox 6"/>
+          <p:cNvSpPr txBox="1"/>
+          <p:nvPr/>
+        </p:nvSpPr>
+        <p:spPr>
+          <a:xfrm>
+            <a:off x="918298" y="4985280"/>
+            <a:ext cx="1287725" cy="276999"/>
+          </a:xfrm>
+          <a:prstGeom prst="rect">
+            <a:avLst/>
+          </a:prstGeom>
+          <a:noFill/>
+        </p:spPr>
+        <p:txBody>
+          <a:bodyPr wrap="none" rtlCol="0">
+            <a:spAutoFit/>
+          </a:bodyPr>
+          <a:lstStyle/>
+          <a:p>
+            <a:r>
+              <a:rPr lang="en-US" sz="1200" dirty="0">
+                <a:solidFill>
+                  <a:schemeClr val="accent1"/>
+                </a:solidFill>
+              </a:rPr>
+              <a:t>TYPE:  Task Pane</a:t>
+            </a:r>
+          </a:p>
+        </p:txBody>
+      </p:sp>
+      <p:sp>
+        <p:nvSpPr>
+          <p:cNvPr id="25" name="Rectangle 24"/>
+          <p:cNvSpPr/>
+          <p:nvPr/>
+        </p:nvSpPr>
+        <p:spPr>
+          <a:xfrm>
+            <a:off x="6600111" y="5212946"/>
+            <a:ext cx="2772489" cy="547266"/>
+          </a:xfrm>
+          <a:prstGeom prst="rect">
+            <a:avLst/>
+          </a:prstGeom>
+        </p:spPr>
+        <p:txBody>
+          <a:bodyPr wrap="square">
+            <a:spAutoFit/>
+          </a:bodyPr>
+          <a:lstStyle/>
+          <a:p>
+            <a:pPr>
+              <a:lnSpc>
+                <a:spcPct val="130000"/>
+              </a:lnSpc>
+            </a:pPr>
+            <a:r>
+              <a:rPr lang="en-US" sz="1200" dirty="0">
+                <a:solidFill>
+                  <a:schemeClr val="bg1"/>
+                </a:solidFill>
+              </a:rPr>
+              <a:t>Key Benefit: Share large files from the cloud instead of attaching them.</a:t>
+            </a:r>
+          </a:p>
+        </p:txBody>
+      </p:sp>
+      <p:sp>
+        <p:nvSpPr>
+          <p:cNvPr id="26" name="TextBox 25"/>
+          <p:cNvSpPr txBox="1"/>
+          <p:nvPr/>
+        </p:nvSpPr>
+        <p:spPr>
+          <a:xfrm>
+            <a:off x="6600111" y="4615948"/>
+            <a:ext cx="1226618" cy="369332"/>
+          </a:xfrm>
+          <a:prstGeom prst="rect">
+            <a:avLst/>
+          </a:prstGeom>
+          <a:noFill/>
+        </p:spPr>
+        <p:txBody>
+          <a:bodyPr wrap="none" rtlCol="0">
+            <a:spAutoFit/>
+          </a:bodyPr>
+          <a:lstStyle/>
+          <a:p>
+            <a:r>
+              <a:rPr lang="en-US" dirty="0">
+                <a:solidFill>
+                  <a:schemeClr val="bg1"/>
+                </a:solidFill>
+                <a:latin typeface="Lato Black" panose="020F0502020204030203" pitchFamily="34" charset="0"/>
+                <a:ea typeface="Lato Black" panose="020F0502020204030203" pitchFamily="34" charset="0"/>
+                <a:cs typeface="Lato Black" panose="020F0502020204030203" pitchFamily="34" charset="0"/>
+              </a:rPr>
+              <a:t>DROPBOX</a:t>
+            </a:r>
+          </a:p>
+        </p:txBody>
+      </p:sp>
+      <p:sp>
+        <p:nvSpPr>
+          <p:cNvPr id="27" name="TextBox 26"/>
+          <p:cNvSpPr txBox="1"/>
+          <p:nvPr/>
+        </p:nvSpPr>
+        <p:spPr>
+          <a:xfrm>
+            <a:off x="6600111" y="4935947"/>
+            <a:ext cx="1287725" cy="276999"/>
+          </a:xfrm>
+          <a:prstGeom prst="rect">
+            <a:avLst/>
+          </a:prstGeom>
+          <a:noFill/>
+        </p:spPr>
+        <p:txBody>
+          <a:bodyPr wrap="none" rtlCol="0">
+            <a:spAutoFit/>
+          </a:bodyPr>
+          <a:lstStyle/>
+          <a:p>
+            <a:r>
+              <a:rPr lang="en-US" sz="1200" dirty="0">
+                <a:solidFill>
+                  <a:schemeClr val="accent2"/>
+                </a:solidFill>
+              </a:rPr>
+              <a:t>TYPE:  Task Pane</a:t>
+            </a:r>
+          </a:p>
+        </p:txBody>
+      </p:sp>
+      <p:pic>
+        <p:nvPicPr>
+          <p:cNvPr id="1026" name="Picture 2" descr="best-outlook-add-ins-paypal">
+            <a:extLst>
+              <a:ext uri="{FF2B5EF4-FFF2-40B4-BE49-F238E27FC236}">
+                <a16:creationId xmlns:a16="http://schemas.microsoft.com/office/drawing/2014/main" id="{8F3403A7-7418-4AF2-8705-13A594CAA0A6}"/>
+              </a:ext>
+            </a:extLst>
+          </p:cNvPr>
+          <p:cNvPicPr>
+            <a:picLocks noChangeAspect="1" noChangeArrowheads="1"/>
+          </p:cNvPicPr>
+          <p:nvPr/>
+        </p:nvPicPr>
+        <p:blipFill>
+          <a:blip r:embed="rId2">
+            <a:extLst>
+              <a:ext uri="{28A0092B-C50C-407E-A947-70E740481C1C}">
+                <a14:useLocalDpi xmlns:a14="http://schemas.microsoft.com/office/drawing/2010/main" val="0"/>
+              </a:ext>
+            </a:extLst>
+          </a:blip>
+          <a:srcRect/>
+          <a:stretch>
+            <a:fillRect/>
+          </a:stretch>
+        </p:blipFill>
+        <p:spPr bwMode="auto">
+          <a:xfrm>
+            <a:off x="1022889" y="1906536"/>
+            <a:ext cx="4823996" cy="2512497"/>
+          </a:xfrm>
+          <a:prstGeom prst="rect">
+            <a:avLst/>
+          </a:prstGeom>
+          <a:noFill/>
+          <a:extLst>
+            <a:ext uri="{909E8E84-426E-40DD-AFC4-6F175D3DCCD1}">
+              <a14:hiddenFill xmlns:a14="http://schemas.microsoft.com/office/drawing/2010/main">
+                <a:solidFill>
+                  <a:srgbClr val="FFFFFF"/>
+                </a:solidFill>
+              </a14:hiddenFill>
+            </a:ext>
+          </a:extLst>
+        </p:spPr>
+      </p:pic>
+      <p:pic>
+        <p:nvPicPr>
+          <p:cNvPr id="1028" name="Picture 4" descr="best-outlook-add-ins-dropbox">
+            <a:extLst>
+              <a:ext uri="{FF2B5EF4-FFF2-40B4-BE49-F238E27FC236}">
+                <a16:creationId xmlns:a16="http://schemas.microsoft.com/office/drawing/2014/main" id="{76FDFBAC-D864-4B79-8F5D-FD00B75F2567}"/>
+              </a:ext>
+            </a:extLst>
+          </p:cNvPr>
+          <p:cNvPicPr>
+            <a:picLocks noChangeAspect="1" noChangeArrowheads="1"/>
+          </p:cNvPicPr>
+          <p:nvPr/>
+        </p:nvPicPr>
+        <p:blipFill>
+          <a:blip r:embed="rId3">
+            <a:extLst>
+              <a:ext uri="{28A0092B-C50C-407E-A947-70E740481C1C}">
+                <a14:useLocalDpi xmlns:a14="http://schemas.microsoft.com/office/drawing/2010/main" val="0"/>
+              </a:ext>
+            </a:extLst>
+          </a:blip>
+          <a:srcRect/>
+          <a:stretch>
+            <a:fillRect/>
+          </a:stretch>
+        </p:blipFill>
+        <p:spPr bwMode="auto">
+          <a:xfrm>
+            <a:off x="6673362" y="1801096"/>
+            <a:ext cx="4654108" cy="2617937"/>
+          </a:xfrm>
+          <a:prstGeom prst="rect">
+            <a:avLst/>
+          </a:prstGeom>
+          <a:noFill/>
+          <a:extLst>
+            <a:ext uri="{909E8E84-426E-40DD-AFC4-6F175D3DCCD1}">
+              <a14:hiddenFill xmlns:a14="http://schemas.microsoft.com/office/drawing/2010/main">
+                <a:solidFill>
+                  <a:srgbClr val="FFFFFF"/>
+                </a:solidFill>
+              </a14:hiddenFill>
+            </a:ext>
+          </a:extLst>
+        </p:spPr>
+      </p:pic>
+    </p:spTree>
+    <p:extLst>
+      <p:ext uri="{BB962C8B-B14F-4D97-AF65-F5344CB8AC3E}">
+        <p14:creationId xmlns:p14="http://schemas.microsoft.com/office/powerpoint/2010/main" val="1257809936"/>
+      </p:ext>
+    </p:extLst>
+  </p:cSld>
+  <p:clrMapOvr>
+    <a:masterClrMapping/>
+  </p:clrMapOvr>
+  <mc:AlternateContent xmlns:mc="http://schemas.openxmlformats.org/markup-compatibility/2006" xmlns:p14="http://schemas.microsoft.com/office/powerpoint/2010/main">
+    <mc:Choice Requires="p14">
+      <p:transition spd="med" p14:dur="700">
+        <p:fade/>
+      </p:transition>
+    </mc:Choice>
+    <mc:Fallback xmlns="">
+      <p:transition spd="med">
+        <p:fade/>
+      </p:transition>
+    </mc:Fallback>
+  </mc:AlternateContent>
+  <p:timing>
+    <p:tnLst>
+      <p:par>
+        <p:cTn id="1" dur="indefinite" restart="never" nodeType="tmRoot">
+          <p:childTnLst>
+            <p:seq concurrent="1" nextAc="seek">
+              <p:cTn id="2" dur="indefinite" nodeType="mainSeq">
+                <p:childTnLst>
+                  <p:par>
+                    <p:cTn id="3" fill="hold">
+                      <p:stCondLst>
+                        <p:cond delay="indefinite"/>
+                        <p:cond evt="onBegin" delay="0">
+                          <p:tn val="2"/>
+                        </p:cond>
+                      </p:stCondLst>
+                      <p:childTnLst>
+                        <p:par>
+                          <p:cTn id="4" fill="hold">
+                            <p:stCondLst>
+                              <p:cond delay="0"/>
+                            </p:stCondLst>
+                            <p:childTnLst>
+                              <p:par>
+                                <p:cTn id="5" presetID="42" presetClass="entr" presetSubtype="0" fill="hold" nodeType="afterEffect">
+                                  <p:stCondLst>
+                                    <p:cond delay="0"/>
+                                  </p:stCondLst>
+                                  <p:childTnLst>
+                                    <p:set>
+                                      <p:cBhvr>
+                                        <p:cTn id="6" dur="1" fill="hold">
+                                          <p:stCondLst>
+                                            <p:cond delay="0"/>
+                                          </p:stCondLst>
+                                        </p:cTn>
+                                        <p:tgtEl>
+                                          <p:spTgt spid="4">
+                                            <p:txEl>
+                                              <p:pRg st="0" end="0"/>
+                                            </p:txEl>
+                                          </p:spTgt>
+                                        </p:tgtEl>
+                                        <p:attrNameLst>
+                                          <p:attrName>style.visibility</p:attrName>
+                                        </p:attrNameLst>
+                                      </p:cBhvr>
+                                      <p:to>
+                                        <p:strVal val="visible"/>
+                                      </p:to>
+                                    </p:set>
+                                    <p:animEffect transition="in" filter="fade">
+                                      <p:cBhvr>
+                                        <p:cTn id="7" dur="1000"/>
+                                        <p:tgtEl>
+                                          <p:spTgt spid="4">
+                                            <p:txEl>
+                                              <p:pRg st="0" end="0"/>
+                                            </p:txEl>
+                                          </p:spTgt>
+                                        </p:tgtEl>
+                                      </p:cBhvr>
+                                    </p:animEffect>
+                                    <p:anim calcmode="lin" valueType="num">
+                                      <p:cBhvr>
+                                        <p:cTn id="8" dur="1000" fill="hold"/>
+                                        <p:tgtEl>
+                                          <p:spTgt spid="4">
+                                            <p:txEl>
+                                              <p:pRg st="0" end="0"/>
+                                            </p:txEl>
+                                          </p:spTgt>
+                                        </p:tgtEl>
+                                        <p:attrNameLst>
+                                          <p:attrName>ppt_x</p:attrName>
+                                        </p:attrNameLst>
+                                      </p:cBhvr>
+                                      <p:tavLst>
+                                        <p:tav tm="0">
+                                          <p:val>
+                                            <p:strVal val="#ppt_x"/>
+                                          </p:val>
+                                        </p:tav>
+                                        <p:tav tm="100000">
+                                          <p:val>
+                                            <p:strVal val="#ppt_x"/>
+                                          </p:val>
+                                        </p:tav>
+                                      </p:tavLst>
+                                    </p:anim>
+                                    <p:anim calcmode="lin" valueType="num">
+                                      <p:cBhvr>
+                                        <p:cTn id="9" dur="1000" fill="hold"/>
+                                        <p:tgtEl>
+                                          <p:spTgt spid="4">
+                                            <p:txEl>
+                                              <p:pRg st="0" end="0"/>
+                                            </p:txEl>
+                                          </p:spTgt>
+                                        </p:tgtEl>
+                                        <p:attrNameLst>
+                                          <p:attrName>ppt_y</p:attrName>
+                                        </p:attrNameLst>
+                                      </p:cBhvr>
+                                      <p:tavLst>
+                                        <p:tav tm="0">
+                                          <p:val>
+                                            <p:strVal val="#ppt_y+.1"/>
+                                          </p:val>
+                                        </p:tav>
+                                        <p:tav tm="100000">
+                                          <p:val>
+                                            <p:strVal val="#ppt_y"/>
+                                          </p:val>
+                                        </p:tav>
+                                      </p:tavLst>
+                                    </p:anim>
+                                  </p:childTnLst>
+                                </p:cTn>
+                              </p:par>
+                            </p:childTnLst>
+                          </p:cTn>
+                        </p:par>
+                        <p:par>
+                          <p:cTn id="10" fill="hold">
+                            <p:stCondLst>
+                              <p:cond delay="1000"/>
+                            </p:stCondLst>
+                            <p:childTnLst>
+                              <p:par>
+                                <p:cTn id="11" presetID="22" presetClass="entr" presetSubtype="8" fill="hold" nodeType="afterEffect">
+                                  <p:stCondLst>
+                                    <p:cond delay="0"/>
+                                  </p:stCondLst>
+                                  <p:childTnLst>
+                                    <p:set>
+                                      <p:cBhvr>
+                                        <p:cTn id="12" dur="1" fill="hold">
+                                          <p:stCondLst>
+                                            <p:cond delay="0"/>
+                                          </p:stCondLst>
+                                        </p:cTn>
+                                        <p:tgtEl>
+                                          <p:spTgt spid="5"/>
+                                        </p:tgtEl>
+                                        <p:attrNameLst>
+                                          <p:attrName>style.visibility</p:attrName>
+                                        </p:attrNameLst>
+                                      </p:cBhvr>
+                                      <p:to>
+                                        <p:strVal val="visible"/>
+                                      </p:to>
+                                    </p:set>
+                                    <p:animEffect transition="in" filter="wipe(left)">
+                                      <p:cBhvr>
+                                        <p:cTn id="13" dur="500"/>
+                                        <p:tgtEl>
+                                          <p:spTgt spid="5"/>
+                                        </p:tgtEl>
+                                      </p:cBhvr>
+                                    </p:animEffect>
+                                  </p:childTnLst>
+                                </p:cTn>
+                              </p:par>
+                            </p:childTnLst>
+                          </p:cTn>
+                        </p:par>
+                        <p:par>
+                          <p:cTn id="14" fill="hold">
+                            <p:stCondLst>
+                              <p:cond delay="1500"/>
+                            </p:stCondLst>
+                            <p:childTnLst>
+                              <p:par>
+                                <p:cTn id="15" presetID="12" presetClass="entr" presetSubtype="4" fill="hold" grpId="0" nodeType="afterEffect">
+                                  <p:stCondLst>
+                                    <p:cond delay="0"/>
+                                  </p:stCondLst>
+                                  <p:childTnLst>
+                                    <p:set>
+                                      <p:cBhvr>
+                                        <p:cTn id="16" dur="1" fill="hold">
+                                          <p:stCondLst>
+                                            <p:cond delay="0"/>
+                                          </p:stCondLst>
+                                        </p:cTn>
+                                        <p:tgtEl>
+                                          <p:spTgt spid="12"/>
+                                        </p:tgtEl>
+                                        <p:attrNameLst>
+                                          <p:attrName>style.visibility</p:attrName>
+                                        </p:attrNameLst>
+                                      </p:cBhvr>
+                                      <p:to>
+                                        <p:strVal val="visible"/>
+                                      </p:to>
+                                    </p:set>
+                                    <p:anim calcmode="lin" valueType="num">
+                                      <p:cBhvr additive="base">
+                                        <p:cTn id="17" dur="500"/>
+                                        <p:tgtEl>
+                                          <p:spTgt spid="12"/>
+                                        </p:tgtEl>
+                                        <p:attrNameLst>
+                                          <p:attrName>ppt_y</p:attrName>
+                                        </p:attrNameLst>
+                                      </p:cBhvr>
+                                      <p:tavLst>
+                                        <p:tav tm="0">
+                                          <p:val>
+                                            <p:strVal val="#ppt_y+#ppt_h*1.125000"/>
+                                          </p:val>
+                                        </p:tav>
+                                        <p:tav tm="100000">
+                                          <p:val>
+                                            <p:strVal val="#ppt_y"/>
+                                          </p:val>
+                                        </p:tav>
+                                      </p:tavLst>
+                                    </p:anim>
+                                    <p:animEffect transition="in" filter="wipe(up)">
+                                      <p:cBhvr>
+                                        <p:cTn id="18" dur="500"/>
+                                        <p:tgtEl>
+                                          <p:spTgt spid="12"/>
+                                        </p:tgtEl>
+                                      </p:cBhvr>
+                                    </p:animEffect>
+                                  </p:childTnLst>
+                                </p:cTn>
+                              </p:par>
+                            </p:childTnLst>
+                          </p:cTn>
+                        </p:par>
+                        <p:par>
+                          <p:cTn id="19" fill="hold">
+                            <p:stCondLst>
+                              <p:cond delay="2000"/>
+                            </p:stCondLst>
+                            <p:childTnLst>
+                              <p:par>
+                                <p:cTn id="20" presetID="22" presetClass="entr" presetSubtype="8" fill="hold" grpId="0" nodeType="afterEffect">
+                                  <p:stCondLst>
+                                    <p:cond delay="0"/>
+                                  </p:stCondLst>
+                                  <p:childTnLst>
+                                    <p:set>
+                                      <p:cBhvr>
+                                        <p:cTn id="21" dur="1" fill="hold">
+                                          <p:stCondLst>
+                                            <p:cond delay="0"/>
+                                          </p:stCondLst>
+                                        </p:cTn>
+                                        <p:tgtEl>
+                                          <p:spTgt spid="7"/>
+                                        </p:tgtEl>
+                                        <p:attrNameLst>
+                                          <p:attrName>style.visibility</p:attrName>
+                                        </p:attrNameLst>
+                                      </p:cBhvr>
+                                      <p:to>
+                                        <p:strVal val="visible"/>
+                                      </p:to>
+                                    </p:set>
+                                    <p:animEffect transition="in" filter="wipe(left)">
+                                      <p:cBhvr>
+                                        <p:cTn id="22" dur="500"/>
+                                        <p:tgtEl>
+                                          <p:spTgt spid="7"/>
+                                        </p:tgtEl>
+                                      </p:cBhvr>
+                                    </p:animEffect>
+                                  </p:childTnLst>
+                                </p:cTn>
+                              </p:par>
+                            </p:childTnLst>
+                          </p:cTn>
+                        </p:par>
+                        <p:par>
+                          <p:cTn id="23" fill="hold">
+                            <p:stCondLst>
+                              <p:cond delay="2500"/>
+                            </p:stCondLst>
+                            <p:childTnLst>
+                              <p:par>
+                                <p:cTn id="24" presetID="10" presetClass="entr" presetSubtype="0" fill="hold" grpId="0" nodeType="afterEffect">
+                                  <p:stCondLst>
+                                    <p:cond delay="0"/>
+                                  </p:stCondLst>
+                                  <p:childTnLst>
+                                    <p:set>
+                                      <p:cBhvr>
+                                        <p:cTn id="25" dur="1" fill="hold">
+                                          <p:stCondLst>
+                                            <p:cond delay="0"/>
+                                          </p:stCondLst>
+                                        </p:cTn>
+                                        <p:tgtEl>
+                                          <p:spTgt spid="11"/>
+                                        </p:tgtEl>
+                                        <p:attrNameLst>
+                                          <p:attrName>style.visibility</p:attrName>
+                                        </p:attrNameLst>
+                                      </p:cBhvr>
+                                      <p:to>
+                                        <p:strVal val="visible"/>
+                                      </p:to>
+                                    </p:set>
+                                    <p:animEffect transition="in" filter="fade">
+                                      <p:cBhvr>
+                                        <p:cTn id="26" dur="500"/>
+                                        <p:tgtEl>
+                                          <p:spTgt spid="11"/>
+                                        </p:tgtEl>
+                                      </p:cBhvr>
+                                    </p:animEffect>
+                                  </p:childTnLst>
+                                </p:cTn>
+                              </p:par>
+                            </p:childTnLst>
+                          </p:cTn>
+                        </p:par>
+                        <p:par>
+                          <p:cTn id="27" fill="hold">
+                            <p:stCondLst>
+                              <p:cond delay="3000"/>
+                            </p:stCondLst>
+                            <p:childTnLst>
+                              <p:par>
+                                <p:cTn id="28" presetID="12" presetClass="entr" presetSubtype="4" fill="hold" grpId="0" nodeType="afterEffect">
+                                  <p:stCondLst>
+                                    <p:cond delay="0"/>
+                                  </p:stCondLst>
+                                  <p:childTnLst>
+                                    <p:set>
+                                      <p:cBhvr>
+                                        <p:cTn id="29" dur="1" fill="hold">
+                                          <p:stCondLst>
+                                            <p:cond delay="0"/>
+                                          </p:stCondLst>
+                                        </p:cTn>
+                                        <p:tgtEl>
+                                          <p:spTgt spid="26"/>
+                                        </p:tgtEl>
+                                        <p:attrNameLst>
+                                          <p:attrName>style.visibility</p:attrName>
+                                        </p:attrNameLst>
+                                      </p:cBhvr>
+                                      <p:to>
+                                        <p:strVal val="visible"/>
+                                      </p:to>
+                                    </p:set>
+                                    <p:anim calcmode="lin" valueType="num">
+                                      <p:cBhvr additive="base">
+                                        <p:cTn id="30" dur="500"/>
+                                        <p:tgtEl>
+                                          <p:spTgt spid="26"/>
+                                        </p:tgtEl>
+                                        <p:attrNameLst>
+                                          <p:attrName>ppt_y</p:attrName>
+                                        </p:attrNameLst>
+                                      </p:cBhvr>
+                                      <p:tavLst>
+                                        <p:tav tm="0">
+                                          <p:val>
+                                            <p:strVal val="#ppt_y+#ppt_h*1.125000"/>
+                                          </p:val>
+                                        </p:tav>
+                                        <p:tav tm="100000">
+                                          <p:val>
+                                            <p:strVal val="#ppt_y"/>
+                                          </p:val>
+                                        </p:tav>
+                                      </p:tavLst>
+                                    </p:anim>
+                                    <p:animEffect transition="in" filter="wipe(up)">
+                                      <p:cBhvr>
+                                        <p:cTn id="31" dur="500"/>
+                                        <p:tgtEl>
+                                          <p:spTgt spid="26"/>
+                                        </p:tgtEl>
+                                      </p:cBhvr>
+                                    </p:animEffect>
+                                  </p:childTnLst>
+                                </p:cTn>
+                              </p:par>
+                            </p:childTnLst>
+                          </p:cTn>
+                        </p:par>
+                        <p:par>
+                          <p:cTn id="32" fill="hold">
+                            <p:stCondLst>
+                              <p:cond delay="3500"/>
+                            </p:stCondLst>
+                            <p:childTnLst>
+                              <p:par>
+                                <p:cTn id="33" presetID="22" presetClass="entr" presetSubtype="8" fill="hold" grpId="0" nodeType="afterEffect">
+                                  <p:stCondLst>
+                                    <p:cond delay="0"/>
+                                  </p:stCondLst>
+                                  <p:childTnLst>
+                                    <p:set>
+                                      <p:cBhvr>
+                                        <p:cTn id="34" dur="1" fill="hold">
+                                          <p:stCondLst>
+                                            <p:cond delay="0"/>
+                                          </p:stCondLst>
+                                        </p:cTn>
+                                        <p:tgtEl>
+                                          <p:spTgt spid="27"/>
+                                        </p:tgtEl>
+                                        <p:attrNameLst>
+                                          <p:attrName>style.visibility</p:attrName>
+                                        </p:attrNameLst>
+                                      </p:cBhvr>
+                                      <p:to>
+                                        <p:strVal val="visible"/>
+                                      </p:to>
+                                    </p:set>
+                                    <p:animEffect transition="in" filter="wipe(left)">
+                                      <p:cBhvr>
+                                        <p:cTn id="35" dur="500"/>
+                                        <p:tgtEl>
+                                          <p:spTgt spid="27"/>
+                                        </p:tgtEl>
+                                      </p:cBhvr>
+                                    </p:animEffect>
+                                  </p:childTnLst>
+                                </p:cTn>
+                              </p:par>
+                            </p:childTnLst>
+                          </p:cTn>
+                        </p:par>
+                        <p:par>
+                          <p:cTn id="36" fill="hold">
+                            <p:stCondLst>
+                              <p:cond delay="4000"/>
+                            </p:stCondLst>
+                            <p:childTnLst>
+                              <p:par>
+                                <p:cTn id="37" presetID="10" presetClass="entr" presetSubtype="0" fill="hold" grpId="0" nodeType="afterEffect">
+                                  <p:stCondLst>
+                                    <p:cond delay="0"/>
+                                  </p:stCondLst>
+                                  <p:childTnLst>
+                                    <p:set>
+                                      <p:cBhvr>
+                                        <p:cTn id="38" dur="1" fill="hold">
+                                          <p:stCondLst>
+                                            <p:cond delay="0"/>
+                                          </p:stCondLst>
+                                        </p:cTn>
+                                        <p:tgtEl>
+                                          <p:spTgt spid="25"/>
+                                        </p:tgtEl>
+                                        <p:attrNameLst>
+                                          <p:attrName>style.visibility</p:attrName>
+                                        </p:attrNameLst>
+                                      </p:cBhvr>
+                                      <p:to>
+                                        <p:strVal val="visible"/>
+                                      </p:to>
+                                    </p:set>
+                                    <p:animEffect transition="in" filter="fade">
+                                      <p:cBhvr>
+                                        <p:cTn id="39" dur="500"/>
+                                        <p:tgtEl>
+                                          <p:spTgt spid="25"/>
+                                        </p:tgtEl>
+                                      </p:cBhvr>
+                                    </p:animEffect>
+                                  </p:childTnLst>
+                                </p:cTn>
+                              </p:par>
+                            </p:childTnLst>
+                          </p:cTn>
+                        </p:par>
+                      </p:childTnLst>
+                    </p:cTn>
+                  </p:par>
+                </p:childTnLst>
+              </p:cTn>
+              <p:prevCondLst>
+                <p:cond evt="onPrev" delay="0">
+                  <p:tgtEl>
+                    <p:sldTgt/>
+                  </p:tgtEl>
+                </p:cond>
+              </p:prevCondLst>
+              <p:nextCondLst>
+                <p:cond evt="onNext" delay="0">
+                  <p:tgtEl>
+                    <p:sldTgt/>
+                  </p:tgtEl>
+                </p:cond>
+              </p:nextCondLst>
+            </p:seq>
+          </p:childTnLst>
+        </p:cTn>
+      </p:par>
+    </p:tnLst>
+    <p:bldLst>
+      <p:bldP spid="11" grpId="0"/>
+      <p:bldP spid="12" grpId="0"/>
+      <p:bldP spid="7" grpId="0"/>
+      <p:bldP spid="25" grpId="0"/>
+      <p:bldP spid="26" grpId="0"/>
+      <p:bldP spid="27" grpId="0"/>
+    </p:bldLst>
+  </p:timing>
+</p:sld>
+</file>
+
+<file path=ppt/slides/slide5.xml><?xml version="1.0" encoding="utf-8"?>
 <p:sld xmlns:a="http://schemas.openxmlformats.org/drawingml/2006/main" xmlns:r="http://schemas.openxmlformats.org/officeDocument/2006/relationships" xmlns:p="http://schemas.openxmlformats.org/presentationml/2006/main">
   <p:cSld>
     <p:spTree>
@@ -7961,7 +8884,7 @@
         <p:spPr>
           <a:xfrm>
             <a:off x="834190" y="1798782"/>
-            <a:ext cx="1307024" cy="338554"/>
+            <a:ext cx="1391471" cy="338554"/>
           </a:xfrm>
           <a:prstGeom prst="rect">
             <a:avLst/>
@@ -7983,7 +8906,7 @@
                 <a:ea typeface="Lato Black" panose="020F0502020204030203" pitchFamily="34" charset="0"/>
                 <a:cs typeface="Lato Black" panose="020F0502020204030203" pitchFamily="34" charset="0"/>
               </a:rPr>
-              <a:t>AVAILIBILITY</a:t>
+              <a:t>AVAILABILITY</a:t>
             </a:r>
           </a:p>
         </p:txBody>
@@ -8174,13 +9097,13 @@
   <p:clrMapOvr>
     <a:masterClrMapping/>
   </p:clrMapOvr>
-  <mc:AlternateContent xmlns:mc="http://schemas.openxmlformats.org/markup-compatibility/2006">
-    <mc:Choice xmlns:p14="http://schemas.microsoft.com/office/powerpoint/2010/main" Requires="p14">
+  <mc:AlternateContent xmlns:mc="http://schemas.openxmlformats.org/markup-compatibility/2006" xmlns:p14="http://schemas.microsoft.com/office/powerpoint/2010/main">
+    <mc:Choice Requires="p14">
       <p:transition spd="med" p14:dur="700">
         <p:fade/>
       </p:transition>
     </mc:Choice>
-    <mc:Fallback>
+    <mc:Fallback xmlns="">
       <p:transition spd="med">
         <p:fade/>
       </p:transition>
@@ -8764,7 +9687,7 @@
 </p:sld>
 </file>
 
-<file path=ppt/slides/slide5.xml><?xml version="1.0" encoding="utf-8"?>
+<file path=ppt/slides/slide6.xml><?xml version="1.0" encoding="utf-8"?>
 <p:sld xmlns:a="http://schemas.openxmlformats.org/drawingml/2006/main" xmlns:r="http://schemas.openxmlformats.org/officeDocument/2006/relationships" xmlns:p="http://schemas.openxmlformats.org/presentationml/2006/main">
   <p:cSld>
     <p:spTree>
@@ -9106,13 +10029,13 @@
   <p:clrMapOvr>
     <a:masterClrMapping/>
   </p:clrMapOvr>
-  <mc:AlternateContent xmlns:mc="http://schemas.openxmlformats.org/markup-compatibility/2006">
-    <mc:Choice xmlns:p14="http://schemas.microsoft.com/office/powerpoint/2010/main" Requires="p14">
+  <mc:AlternateContent xmlns:mc="http://schemas.openxmlformats.org/markup-compatibility/2006" xmlns:p14="http://schemas.microsoft.com/office/powerpoint/2010/main">
+    <mc:Choice Requires="p14">
       <p:transition spd="med" p14:dur="700">
         <p:fade/>
       </p:transition>
     </mc:Choice>
-    <mc:Fallback>
+    <mc:Fallback xmlns="">
       <p:transition spd="med">
         <p:fade/>
       </p:transition>
@@ -9541,7 +10464,7 @@
 </p:sld>
 </file>
 
-<file path=ppt/slides/slide6.xml><?xml version="1.0" encoding="utf-8"?>
+<file path=ppt/slides/slide7.xml><?xml version="1.0" encoding="utf-8"?>
 <p:sld xmlns:a="http://schemas.openxmlformats.org/drawingml/2006/main" xmlns:r="http://schemas.openxmlformats.org/officeDocument/2006/relationships" xmlns:p="http://schemas.openxmlformats.org/presentationml/2006/main">
   <p:cSld>
     <p:spTree>
@@ -10005,13 +10928,13 @@
   <p:clrMapOvr>
     <a:masterClrMapping/>
   </p:clrMapOvr>
-  <mc:AlternateContent xmlns:mc="http://schemas.openxmlformats.org/markup-compatibility/2006">
-    <mc:Choice xmlns:p14="http://schemas.microsoft.com/office/powerpoint/2010/main" Requires="p14">
+  <mc:AlternateContent xmlns:mc="http://schemas.openxmlformats.org/markup-compatibility/2006" xmlns:p14="http://schemas.microsoft.com/office/powerpoint/2010/main">
+    <mc:Choice Requires="p14">
       <p:transition spd="med" p14:dur="700">
         <p:fade/>
       </p:transition>
     </mc:Choice>
-    <mc:Fallback>
+    <mc:Fallback xmlns="">
       <p:transition spd="med">
         <p:fade/>
       </p:transition>

--- a/Office Add-Ins.pptx
+++ b/Office Add-Ins.pptx
@@ -227,7 +227,7 @@
           <a:p>
             <a:fld id="{A52D2F97-E139-4A6A-A5F3-F92C9DA539A8}" type="datetimeFigureOut">
               <a:rPr lang="en-US" smtClean="0"/>
-              <a:t>9/17/2019</a:t>
+              <a:t>9/18/2019</a:t>
             </a:fld>
             <a:endParaRPr lang="en-US" dirty="0"/>
           </a:p>
@@ -5573,18 +5573,6 @@
   <p:clrMapOvr>
     <a:masterClrMapping/>
   </p:clrMapOvr>
-  <mc:AlternateContent xmlns:mc="http://schemas.openxmlformats.org/markup-compatibility/2006" xmlns:p14="http://schemas.microsoft.com/office/powerpoint/2010/main">
-    <mc:Choice Requires="p14">
-      <p:transition spd="med" p14:dur="700">
-        <p:fade/>
-      </p:transition>
-    </mc:Choice>
-    <mc:Fallback xmlns="">
-      <p:transition spd="med">
-        <p:fade/>
-      </p:transition>
-    </mc:Fallback>
-  </mc:AlternateContent>
   <p:timing>
     <p:tnLst>
       <p:par>
@@ -6174,18 +6162,6 @@
   <p:clrMapOvr>
     <a:masterClrMapping/>
   </p:clrMapOvr>
-  <mc:AlternateContent xmlns:mc="http://schemas.openxmlformats.org/markup-compatibility/2006" xmlns:p14="http://schemas.microsoft.com/office/powerpoint/2010/main">
-    <mc:Choice Requires="p14">
-      <p:transition spd="med" p14:dur="700">
-        <p:fade/>
-      </p:transition>
-    </mc:Choice>
-    <mc:Fallback xmlns="">
-      <p:transition spd="med">
-        <p:fade/>
-      </p:transition>
-    </mc:Fallback>
-  </mc:AlternateContent>
   <p:timing>
     <p:tnLst>
       <p:par>
@@ -7381,18 +7357,6 @@
   <p:clrMapOvr>
     <a:masterClrMapping/>
   </p:clrMapOvr>
-  <mc:AlternateContent xmlns:mc="http://schemas.openxmlformats.org/markup-compatibility/2006" xmlns:p14="http://schemas.microsoft.com/office/powerpoint/2010/main">
-    <mc:Choice Requires="p14">
-      <p:transition spd="med" p14:dur="700">
-        <p:fade/>
-      </p:transition>
-    </mc:Choice>
-    <mc:Fallback xmlns="">
-      <p:transition spd="med">
-        <p:fade/>
-      </p:transition>
-    </mc:Fallback>
-  </mc:AlternateContent>
   <p:timing>
     <p:tnLst>
       <p:par>
@@ -8193,18 +8157,6 @@
   <p:clrMapOvr>
     <a:masterClrMapping/>
   </p:clrMapOvr>
-  <mc:AlternateContent xmlns:mc="http://schemas.openxmlformats.org/markup-compatibility/2006" xmlns:p14="http://schemas.microsoft.com/office/powerpoint/2010/main">
-    <mc:Choice Requires="p14">
-      <p:transition spd="med" p14:dur="700">
-        <p:fade/>
-      </p:transition>
-    </mc:Choice>
-    <mc:Fallback xmlns="">
-      <p:transition spd="med">
-        <p:fade/>
-      </p:transition>
-    </mc:Fallback>
-  </mc:AlternateContent>
   <p:timing>
     <p:tnLst>
       <p:par>
@@ -9097,18 +9049,6 @@
   <p:clrMapOvr>
     <a:masterClrMapping/>
   </p:clrMapOvr>
-  <mc:AlternateContent xmlns:mc="http://schemas.openxmlformats.org/markup-compatibility/2006" xmlns:p14="http://schemas.microsoft.com/office/powerpoint/2010/main">
-    <mc:Choice Requires="p14">
-      <p:transition spd="med" p14:dur="700">
-        <p:fade/>
-      </p:transition>
-    </mc:Choice>
-    <mc:Fallback xmlns="">
-      <p:transition spd="med">
-        <p:fade/>
-      </p:transition>
-    </mc:Fallback>
-  </mc:AlternateContent>
   <p:timing>
     <p:tnLst>
       <p:par>
@@ -10029,18 +9969,6 @@
   <p:clrMapOvr>
     <a:masterClrMapping/>
   </p:clrMapOvr>
-  <mc:AlternateContent xmlns:mc="http://schemas.openxmlformats.org/markup-compatibility/2006" xmlns:p14="http://schemas.microsoft.com/office/powerpoint/2010/main">
-    <mc:Choice Requires="p14">
-      <p:transition spd="med" p14:dur="700">
-        <p:fade/>
-      </p:transition>
-    </mc:Choice>
-    <mc:Fallback xmlns="">
-      <p:transition spd="med">
-        <p:fade/>
-      </p:transition>
-    </mc:Fallback>
-  </mc:AlternateContent>
   <p:timing>
     <p:tnLst>
       <p:par>
@@ -10928,18 +10856,6 @@
   <p:clrMapOvr>
     <a:masterClrMapping/>
   </p:clrMapOvr>
-  <mc:AlternateContent xmlns:mc="http://schemas.openxmlformats.org/markup-compatibility/2006" xmlns:p14="http://schemas.microsoft.com/office/powerpoint/2010/main">
-    <mc:Choice Requires="p14">
-      <p:transition spd="med" p14:dur="700">
-        <p:fade/>
-      </p:transition>
-    </mc:Choice>
-    <mc:Fallback xmlns="">
-      <p:transition spd="med">
-        <p:fade/>
-      </p:transition>
-    </mc:Fallback>
-  </mc:AlternateContent>
   <p:timing>
     <p:tnLst>
       <p:par>

--- a/Office Add-Ins.pptx
+++ b/Office Add-Ins.pptx
@@ -7850,7 +7850,7 @@
         <p:spPr>
           <a:xfrm>
             <a:off x="918298" y="5262279"/>
-            <a:ext cx="2607417" cy="547266"/>
+            <a:ext cx="5012719" cy="547266"/>
           </a:xfrm>
           <a:prstGeom prst="rect">
             <a:avLst/>
@@ -7873,7 +7873,7 @@
                   <a:schemeClr val="bg1"/>
                 </a:solidFill>
               </a:rPr>
-              <a:t>Key Benefit: Send and receive money without leaving your inbox.</a:t>
+              <a:t>Key Benefit: Send and receive money without leaving your inbox. All relevant information about your transaction flows back into your inbox.</a:t>
             </a:r>
           </a:p>
         </p:txBody>
@@ -7956,7 +7956,7 @@
         <p:spPr>
           <a:xfrm>
             <a:off x="6600111" y="5212946"/>
-            <a:ext cx="2772489" cy="547266"/>
+            <a:ext cx="4414634" cy="547266"/>
           </a:xfrm>
           <a:prstGeom prst="rect">
             <a:avLst/>
@@ -7979,7 +7979,7 @@
                   <a:schemeClr val="bg1"/>
                 </a:solidFill>
               </a:rPr>
-              <a:t>Key Benefit: Share large files from the cloud instead of attaching them.</a:t>
+              <a:t>Key Benefit: Create actionable tasks from your emails on Trello, with its Kanban styled boards and cards.</a:t>
             </a:r>
           </a:p>
         </p:txBody>
@@ -7993,7 +7993,7 @@
         <p:spPr>
           <a:xfrm>
             <a:off x="6600111" y="4615948"/>
-            <a:ext cx="1226618" cy="369332"/>
+            <a:ext cx="944618" cy="369332"/>
           </a:xfrm>
           <a:prstGeom prst="rect">
             <a:avLst/>
@@ -8015,7 +8015,7 @@
                 <a:ea typeface="Lato Black" panose="020F0502020204030203" pitchFamily="34" charset="0"/>
                 <a:cs typeface="Lato Black" panose="020F0502020204030203" pitchFamily="34" charset="0"/>
               </a:rPr>
-              <a:t>DROPBOX</a:t>
+              <a:t>TRELLO</a:t>
             </a:r>
           </a:p>
         </p:txBody>
@@ -8102,49 +8102,32 @@
       </p:pic>
       <p:pic>
         <p:nvPicPr>
-          <p:cNvPr id="1028" name="Picture 4" descr="best-outlook-add-ins-dropbox">
+          <p:cNvPr id="2" name="Picture 1">
             <a:extLst>
               <a:ext uri="{FF2B5EF4-FFF2-40B4-BE49-F238E27FC236}">
-                <a16:creationId xmlns:a16="http://schemas.microsoft.com/office/drawing/2014/main" id="{76FDFBAC-D864-4B79-8F5D-FD00B75F2567}"/>
+                <a16:creationId xmlns:a16="http://schemas.microsoft.com/office/drawing/2014/main" id="{5BA9A1CD-8208-4139-9FB6-6002F6C85BC8}"/>
               </a:ext>
             </a:extLst>
           </p:cNvPr>
           <p:cNvPicPr>
-            <a:picLocks noChangeAspect="1" noChangeArrowheads="1"/>
+            <a:picLocks noChangeAspect="1"/>
           </p:cNvPicPr>
           <p:nvPr/>
         </p:nvPicPr>
         <p:blipFill>
-          <a:blip r:embed="rId3">
-            <a:extLst>
-              <a:ext uri="{28A0092B-C50C-407E-A947-70E740481C1C}">
-                <a14:useLocalDpi xmlns:a14="http://schemas.microsoft.com/office/drawing/2010/main" val="0"/>
-              </a:ext>
-            </a:extLst>
-          </a:blip>
-          <a:srcRect/>
+          <a:blip r:embed="rId3"/>
           <a:stretch>
             <a:fillRect/>
           </a:stretch>
         </p:blipFill>
-        <p:spPr bwMode="auto">
+        <p:spPr>
           <a:xfrm>
-            <a:off x="6673362" y="1801096"/>
-            <a:ext cx="4654108" cy="2617937"/>
+            <a:off x="6600111" y="1906083"/>
+            <a:ext cx="4569000" cy="2512950"/>
           </a:xfrm>
           <a:prstGeom prst="rect">
             <a:avLst/>
           </a:prstGeom>
-          <a:noFill/>
-          <a:extLst>
-            <a:ext uri="{909E8E84-426E-40DD-AFC4-6F175D3DCCD1}">
-              <a14:hiddenFill xmlns:a14="http://schemas.microsoft.com/office/drawing/2010/main">
-                <a:solidFill>
-                  <a:srgbClr val="FFFFFF"/>
-                </a:solidFill>
-              </a14:hiddenFill>
-            </a:ext>
-          </a:extLst>
         </p:spPr>
       </p:pic>
     </p:spTree>
@@ -9724,7 +9707,7 @@
         <p:spPr>
           <a:xfrm>
             <a:off x="834190" y="5269498"/>
-            <a:ext cx="4465838" cy="1267463"/>
+            <a:ext cx="5197494" cy="1027397"/>
           </a:xfrm>
           <a:prstGeom prst="rect">
             <a:avLst/>

--- a/Office Add-Ins.pptx
+++ b/Office Add-Ins.pptx
@@ -10591,8 +10591,8 @@
         </p:nvSpPr>
         <p:spPr>
           <a:xfrm>
-            <a:off x="7343775" y="3015054"/>
-            <a:ext cx="3929926" cy="1027397"/>
+            <a:off x="7343774" y="3015054"/>
+            <a:ext cx="4014919" cy="1027397"/>
           </a:xfrm>
           <a:prstGeom prst="rect">
             <a:avLst/>
@@ -10615,7 +10615,7 @@
                   <a:schemeClr val="bg1"/>
                 </a:solidFill>
               </a:rPr>
-              <a:t>Desktop and Office Online (Web) Add-Ins can be debugged using normal F12 developer tools for Online Add-Ins or C:\Windows\SysWOW64\F12\IEChooser.exe for Desktop Add-Ins.</a:t>
+              <a:t>Desktop and Office Online (Web) Add-Ins can be debugged using normal F12 developer tools for Online Add-Ins or C:\Windows\SysWOW64\F12\F12Chooser.exe for Desktop Add-Ins.</a:t>
             </a:r>
           </a:p>
         </p:txBody>

--- a/Office Add-Ins.pptx
+++ b/Office Add-Ins.pptx
@@ -9,7 +9,7 @@
   </p:notesMasterIdLst>
   <p:sldIdLst>
     <p:sldId id="256" r:id="rId2"/>
-    <p:sldId id="263" r:id="rId3"/>
+    <p:sldId id="277" r:id="rId3"/>
     <p:sldId id="273" r:id="rId4"/>
     <p:sldId id="264" r:id="rId5"/>
     <p:sldId id="276" r:id="rId6"/>
@@ -227,7 +227,7 @@
           <a:p>
             <a:fld id="{A52D2F97-E139-4A6A-A5F3-F92C9DA539A8}" type="datetimeFigureOut">
               <a:rPr lang="en-US" smtClean="0"/>
-              <a:t>9/18/2019</a:t>
+              <a:t>9/19/2019</a:t>
             </a:fld>
             <a:endParaRPr lang="en-US" dirty="0"/>
           </a:p>
@@ -5825,8 +5825,8 @@
         </p:nvSpPr>
         <p:spPr>
           <a:xfrm>
-            <a:off x="834190" y="2059375"/>
-            <a:ext cx="3735318" cy="787331"/>
+            <a:off x="834189" y="1883206"/>
+            <a:ext cx="4257927" cy="547266"/>
           </a:xfrm>
           <a:prstGeom prst="rect">
             <a:avLst/>
@@ -5849,7 +5849,7 @@
                   <a:schemeClr val="bg1"/>
                 </a:solidFill>
               </a:rPr>
-              <a:t>Add business value by extending Office applications to interact with content in Office documents, as well as importing and using data from backend systems.</a:t>
+              <a:t>Interact with content in Office documents, including data from backend systems.</a:t>
             </a:r>
           </a:p>
         </p:txBody>
@@ -5862,7 +5862,7 @@
         </p:nvSpPr>
         <p:spPr>
           <a:xfrm>
-            <a:off x="834190" y="1704779"/>
+            <a:off x="834190" y="1528610"/>
             <a:ext cx="3181320" cy="338554"/>
           </a:xfrm>
           <a:prstGeom prst="rect">
@@ -5898,8 +5898,8 @@
         </p:nvSpPr>
         <p:spPr>
           <a:xfrm>
-            <a:off x="834190" y="3490544"/>
-            <a:ext cx="3735318" cy="1267463"/>
+            <a:off x="834190" y="3037538"/>
+            <a:ext cx="3922368" cy="787331"/>
           </a:xfrm>
           <a:prstGeom prst="rect">
             <a:avLst/>
@@ -5922,7 +5922,7 @@
                   <a:schemeClr val="bg1"/>
                 </a:solidFill>
               </a:rPr>
-              <a:t>Office (Web) Add-Ins solution can run in Office across multiple platforms, including Windows, Mac, iPad, and in a browser with Office Online. Web Add-ins don’t require any code to be physically installed on the user's device or desktop client.</a:t>
+              <a:t>Office (Web) Add-Ins solution can run in Office across multiple platforms, including Windows, Mac, iPad, and in a browser with Office Online. </a:t>
             </a:r>
           </a:p>
         </p:txBody>
@@ -5935,7 +5935,7 @@
         </p:nvSpPr>
         <p:spPr>
           <a:xfrm>
-            <a:off x="834190" y="3135948"/>
+            <a:off x="834190" y="2682942"/>
             <a:ext cx="1895455" cy="338554"/>
           </a:xfrm>
           <a:prstGeom prst="rect">
@@ -5971,8 +5971,8 @@
         </p:nvSpPr>
         <p:spPr>
           <a:xfrm>
-            <a:off x="834190" y="5416337"/>
-            <a:ext cx="3735318" cy="1027397"/>
+            <a:off x="834189" y="4424092"/>
+            <a:ext cx="3922366" cy="547266"/>
           </a:xfrm>
           <a:prstGeom prst="rect">
             <a:avLst/>
@@ -5995,7 +5995,7 @@
                   <a:schemeClr val="bg1"/>
                 </a:solidFill>
               </a:rPr>
-              <a:t>With Office Add-ins, you can use familiar web technologies such as HTML, CSS, and JavaScript (including Vue JS) to extend and interact with Word, Excel, PowerPoint, OneNote, Project, and Outlook.</a:t>
+              <a:t>Use common web technologies such as HTML, CSS, and JavaScript (including Vue JS).</a:t>
             </a:r>
           </a:p>
         </p:txBody>
@@ -6008,7 +6008,7 @@
         </p:nvSpPr>
         <p:spPr>
           <a:xfrm>
-            <a:off x="834190" y="5061741"/>
+            <a:off x="834189" y="4069496"/>
             <a:ext cx="4411721" cy="338554"/>
           </a:xfrm>
           <a:prstGeom prst="rect">
@@ -6152,10 +6152,129 @@
           </a:extLst>
         </p:spPr>
       </p:pic>
+      <p:sp>
+        <p:nvSpPr>
+          <p:cNvPr id="11" name="Rectangle 10">
+            <a:extLst>
+              <a:ext uri="{FF2B5EF4-FFF2-40B4-BE49-F238E27FC236}">
+                <a16:creationId xmlns:a16="http://schemas.microsoft.com/office/drawing/2014/main" id="{88C26232-9191-4F8C-98FA-D3899EEAD100}"/>
+              </a:ext>
+            </a:extLst>
+          </p:cNvPr>
+          <p:cNvSpPr/>
+          <p:nvPr/>
+        </p:nvSpPr>
+        <p:spPr>
+          <a:xfrm>
+            <a:off x="834188" y="5598599"/>
+            <a:ext cx="4341819" cy="787331"/>
+          </a:xfrm>
+          <a:prstGeom prst="rect">
+            <a:avLst/>
+          </a:prstGeom>
+        </p:spPr>
+        <p:txBody>
+          <a:bodyPr wrap="square">
+            <a:spAutoFit/>
+          </a:bodyPr>
+          <a:lstStyle/>
+          <a:p>
+            <a:pPr>
+              <a:lnSpc>
+                <a:spcPct val="130000"/>
+              </a:lnSpc>
+            </a:pPr>
+            <a:r>
+              <a:rPr lang="en-US" sz="1200" dirty="0">
+                <a:solidFill>
+                  <a:schemeClr val="bg1"/>
+                </a:solidFill>
+              </a:rPr>
+              <a:t>Web Add-ins don’t require any code to be physically installed on the user's device. Deploy to your company’s intranet, or publicly to </a:t>
+            </a:r>
+            <a:r>
+              <a:rPr lang="en-US" sz="1200" dirty="0">
+                <a:solidFill>
+                  <a:schemeClr val="bg1"/>
+                </a:solidFill>
+                <a:hlinkClick r:id="rId3"/>
+              </a:rPr>
+              <a:t>Microsoft AppSource</a:t>
+            </a:r>
+            <a:r>
+              <a:rPr lang="en-US" sz="1200" dirty="0">
+                <a:solidFill>
+                  <a:schemeClr val="bg1"/>
+                </a:solidFill>
+              </a:rPr>
+              <a:t> or the </a:t>
+            </a:r>
+            <a:r>
+              <a:rPr lang="en-US" sz="1200" dirty="0">
+                <a:solidFill>
+                  <a:schemeClr val="bg1"/>
+                </a:solidFill>
+                <a:hlinkClick r:id="rId4"/>
+              </a:rPr>
+              <a:t>Microsoft Store</a:t>
+            </a:r>
+            <a:r>
+              <a:rPr lang="en-US" sz="1200" dirty="0">
+                <a:solidFill>
+                  <a:schemeClr val="bg1"/>
+                </a:solidFill>
+              </a:rPr>
+              <a:t>.</a:t>
+            </a:r>
+          </a:p>
+        </p:txBody>
+      </p:sp>
+      <p:sp>
+        <p:nvSpPr>
+          <p:cNvPr id="12" name="TextBox 11">
+            <a:extLst>
+              <a:ext uri="{FF2B5EF4-FFF2-40B4-BE49-F238E27FC236}">
+                <a16:creationId xmlns:a16="http://schemas.microsoft.com/office/drawing/2014/main" id="{3A7A2199-72C1-4BFD-9E40-520422553880}"/>
+              </a:ext>
+            </a:extLst>
+          </p:cNvPr>
+          <p:cNvSpPr txBox="1"/>
+          <p:nvPr/>
+        </p:nvSpPr>
+        <p:spPr>
+          <a:xfrm>
+            <a:off x="834189" y="5244003"/>
+            <a:ext cx="2528384" cy="338554"/>
+          </a:xfrm>
+          <a:prstGeom prst="rect">
+            <a:avLst/>
+          </a:prstGeom>
+          <a:noFill/>
+        </p:spPr>
+        <p:txBody>
+          <a:bodyPr wrap="none" rtlCol="0">
+            <a:spAutoFit/>
+          </a:bodyPr>
+          <a:lstStyle/>
+          <a:p>
+            <a:r>
+              <a:rPr lang="en-US" sz="1600" dirty="0">
+                <a:solidFill>
+                  <a:srgbClr val="01CEAF"/>
+                </a:solidFill>
+                <a:latin typeface="Lato Black" panose="020F0502020204030203" pitchFamily="34" charset="0"/>
+                <a:ea typeface="Lato Black" panose="020F0502020204030203" pitchFamily="34" charset="0"/>
+                <a:cs typeface="Lato Black" panose="020F0502020204030203" pitchFamily="34" charset="0"/>
+              </a:rPr>
+              <a:t>SIMPLIFIED DEPLOYMENT</a:t>
+            </a:r>
+          </a:p>
+        </p:txBody>
+      </p:sp>
     </p:spTree>
     <p:extLst>
       <p:ext uri="{BB962C8B-B14F-4D97-AF65-F5344CB8AC3E}">
-        <p14:creationId xmlns:p14="http://schemas.microsoft.com/office/powerpoint/2010/main" val="2401323560"/>
+        <p14:creationId xmlns:p14="http://schemas.microsoft.com/office/powerpoint/2010/main" val="3110414068"/>
       </p:ext>
     </p:extLst>
   </p:cSld>
@@ -6662,6 +6781,117 @@
                             </p:childTnLst>
                           </p:cTn>
                         </p:par>
+                        <p:par>
+                          <p:cTn id="41" fill="hold">
+                            <p:stCondLst>
+                              <p:cond delay="4500"/>
+                            </p:stCondLst>
+                            <p:childTnLst>
+                              <p:par>
+                                <p:cTn id="42" presetID="12" presetClass="entr" presetSubtype="4" fill="hold" grpId="0" nodeType="afterEffect">
+                                  <p:stCondLst>
+                                    <p:cond delay="0"/>
+                                  </p:stCondLst>
+                                  <p:childTnLst>
+                                    <p:set>
+                                      <p:cBhvr>
+                                        <p:cTn id="43" dur="1" fill="hold">
+                                          <p:stCondLst>
+                                            <p:cond delay="0"/>
+                                          </p:stCondLst>
+                                        </p:cTn>
+                                        <p:tgtEl>
+                                          <p:spTgt spid="12"/>
+                                        </p:tgtEl>
+                                        <p:attrNameLst>
+                                          <p:attrName>style.visibility</p:attrName>
+                                        </p:attrNameLst>
+                                      </p:cBhvr>
+                                      <p:to>
+                                        <p:strVal val="visible"/>
+                                      </p:to>
+                                    </p:set>
+                                    <p:anim calcmode="lin" valueType="num">
+                                      <p:cBhvr additive="base">
+                                        <p:cTn id="44" dur="500"/>
+                                        <p:tgtEl>
+                                          <p:spTgt spid="12"/>
+                                        </p:tgtEl>
+                                        <p:attrNameLst>
+                                          <p:attrName>ppt_y</p:attrName>
+                                        </p:attrNameLst>
+                                      </p:cBhvr>
+                                      <p:tavLst>
+                                        <p:tav tm="0">
+                                          <p:val>
+                                            <p:strVal val="#ppt_y+#ppt_h*1.125000"/>
+                                          </p:val>
+                                        </p:tav>
+                                        <p:tav tm="100000">
+                                          <p:val>
+                                            <p:strVal val="#ppt_y"/>
+                                          </p:val>
+                                        </p:tav>
+                                      </p:tavLst>
+                                    </p:anim>
+                                    <p:animEffect transition="in" filter="wipe(up)">
+                                      <p:cBhvr>
+                                        <p:cTn id="45" dur="500"/>
+                                        <p:tgtEl>
+                                          <p:spTgt spid="12"/>
+                                        </p:tgtEl>
+                                      </p:cBhvr>
+                                    </p:animEffect>
+                                  </p:childTnLst>
+                                </p:cTn>
+                              </p:par>
+                            </p:childTnLst>
+                          </p:cTn>
+                        </p:par>
+                        <p:par>
+                          <p:cTn id="46" fill="hold">
+                            <p:stCondLst>
+                              <p:cond delay="5000"/>
+                            </p:stCondLst>
+                            <p:childTnLst>
+                              <p:par>
+                                <p:cTn id="47" presetID="10" presetClass="entr" presetSubtype="0" fill="hold" grpId="0" nodeType="afterEffect">
+                                  <p:stCondLst>
+                                    <p:cond delay="0"/>
+                                  </p:stCondLst>
+                                  <p:childTnLst>
+                                    <p:set>
+                                      <p:cBhvr>
+                                        <p:cTn id="48" dur="1" fill="hold">
+                                          <p:stCondLst>
+                                            <p:cond delay="0"/>
+                                          </p:stCondLst>
+                                        </p:cTn>
+                                        <p:tgtEl>
+                                          <p:spTgt spid="11"/>
+                                        </p:tgtEl>
+                                        <p:attrNameLst>
+                                          <p:attrName>style.visibility</p:attrName>
+                                        </p:attrNameLst>
+                                      </p:cBhvr>
+                                      <p:to>
+                                        <p:strVal val="visible"/>
+                                      </p:to>
+                                    </p:set>
+                                    <p:animEffect transition="in" filter="fade">
+                                      <p:cBhvr>
+                                        <p:cTn id="49" dur="500"/>
+                                        <p:tgtEl>
+                                          <p:spTgt spid="11"/>
+                                        </p:tgtEl>
+                                      </p:cBhvr>
+                                    </p:animEffect>
+                                  </p:childTnLst>
+                                </p:cTn>
+                              </p:par>
+                            </p:childTnLst>
+                          </p:cTn>
+                        </p:par>
                       </p:childTnLst>
                     </p:cTn>
                   </p:par>
@@ -6693,6 +6923,8 @@
       <p:bldP spid="8" grpId="0"/>
       <p:bldP spid="9" grpId="0"/>
       <p:bldP spid="10" grpId="0"/>
+      <p:bldP spid="11" grpId="0"/>
+      <p:bldP spid="12" grpId="0"/>
     </p:bldLst>
   </p:timing>
 </p:sld>
@@ -8130,6 +8362,112 @@
           </a:prstGeom>
         </p:spPr>
       </p:pic>
+      <p:sp>
+        <p:nvSpPr>
+          <p:cNvPr id="3" name="Arrow: Curved Right 2">
+            <a:extLst>
+              <a:ext uri="{FF2B5EF4-FFF2-40B4-BE49-F238E27FC236}">
+                <a16:creationId xmlns:a16="http://schemas.microsoft.com/office/drawing/2014/main" id="{1A98434B-6B91-49F2-B327-B560DA1AC60A}"/>
+              </a:ext>
+            </a:extLst>
+          </p:cNvPr>
+          <p:cNvSpPr/>
+          <p:nvPr/>
+        </p:nvSpPr>
+        <p:spPr>
+          <a:xfrm>
+            <a:off x="8917497" y="3347207"/>
+            <a:ext cx="469784" cy="318781"/>
+          </a:xfrm>
+          <a:prstGeom prst="curvedRightArrow">
+            <a:avLst/>
+          </a:prstGeom>
+          <a:ln>
+            <a:noFill/>
+          </a:ln>
+        </p:spPr>
+        <p:style>
+          <a:lnRef idx="2">
+            <a:schemeClr val="accent1">
+              <a:shade val="50000"/>
+            </a:schemeClr>
+          </a:lnRef>
+          <a:fillRef idx="1">
+            <a:schemeClr val="accent1"/>
+          </a:fillRef>
+          <a:effectRef idx="0">
+            <a:schemeClr val="accent1"/>
+          </a:effectRef>
+          <a:fontRef idx="minor">
+            <a:schemeClr val="lt1"/>
+          </a:fontRef>
+        </p:style>
+        <p:txBody>
+          <a:bodyPr rtlCol="0" anchor="ctr"/>
+          <a:lstStyle/>
+          <a:p>
+            <a:pPr algn="ctr"/>
+            <a:endParaRPr lang="en-US">
+              <a:solidFill>
+                <a:schemeClr val="tx1"/>
+              </a:solidFill>
+            </a:endParaRPr>
+          </a:p>
+        </p:txBody>
+      </p:sp>
+      <p:sp>
+        <p:nvSpPr>
+          <p:cNvPr id="8" name="Arrow: Curved Left 7">
+            <a:extLst>
+              <a:ext uri="{FF2B5EF4-FFF2-40B4-BE49-F238E27FC236}">
+                <a16:creationId xmlns:a16="http://schemas.microsoft.com/office/drawing/2014/main" id="{B506B2AE-867F-4C0C-A700-880C2C90A109}"/>
+              </a:ext>
+            </a:extLst>
+          </p:cNvPr>
+          <p:cNvSpPr/>
+          <p:nvPr/>
+        </p:nvSpPr>
+        <p:spPr>
+          <a:xfrm>
+            <a:off x="4420997" y="2797607"/>
+            <a:ext cx="411061" cy="323097"/>
+          </a:xfrm>
+          <a:prstGeom prst="curvedLeftArrow">
+            <a:avLst/>
+          </a:prstGeom>
+          <a:ln>
+            <a:noFill/>
+          </a:ln>
+        </p:spPr>
+        <p:style>
+          <a:lnRef idx="2">
+            <a:schemeClr val="accent1">
+              <a:shade val="50000"/>
+            </a:schemeClr>
+          </a:lnRef>
+          <a:fillRef idx="1">
+            <a:schemeClr val="accent1"/>
+          </a:fillRef>
+          <a:effectRef idx="0">
+            <a:schemeClr val="accent1"/>
+          </a:effectRef>
+          <a:fontRef idx="minor">
+            <a:schemeClr val="lt1"/>
+          </a:fontRef>
+        </p:style>
+        <p:txBody>
+          <a:bodyPr rtlCol="0" anchor="ctr"/>
+          <a:lstStyle/>
+          <a:p>
+            <a:pPr algn="ctr"/>
+            <a:endParaRPr lang="en-US">
+              <a:solidFill>
+                <a:schemeClr val="tx1"/>
+              </a:solidFill>
+            </a:endParaRPr>
+          </a:p>
+        </p:txBody>
+      </p:sp>
     </p:spTree>
     <p:extLst>
       <p:ext uri="{BB962C8B-B14F-4D97-AF65-F5344CB8AC3E}">
@@ -9565,6 +9903,59 @@
                                         <p:cTn id="40" dur="500"/>
                                         <p:tgtEl>
                                           <p:spTgt spid="23"/>
+                                        </p:tgtEl>
+                                      </p:cBhvr>
+                                    </p:animEffect>
+                                  </p:childTnLst>
+                                </p:cTn>
+                              </p:par>
+                            </p:childTnLst>
+                          </p:cTn>
+                        </p:par>
+                      </p:childTnLst>
+                    </p:cTn>
+                  </p:par>
+                  <p:par>
+                    <p:cTn id="41" fill="hold">
+                      <p:stCondLst>
+                        <p:cond delay="indefinite"/>
+                      </p:stCondLst>
+                      <p:childTnLst>
+                        <p:par>
+                          <p:cTn id="42" fill="hold">
+                            <p:stCondLst>
+                              <p:cond delay="0"/>
+                            </p:stCondLst>
+                            <p:childTnLst>
+                              <p:par>
+                                <p:cTn id="43" presetID="10" presetClass="entr" presetSubtype="0" fill="hold" nodeType="clickEffect">
+                                  <p:stCondLst>
+                                    <p:cond delay="0"/>
+                                  </p:stCondLst>
+                                  <p:childTnLst>
+                                    <p:set>
+                                      <p:cBhvr>
+                                        <p:cTn id="44" dur="1" fill="hold">
+                                          <p:stCondLst>
+                                            <p:cond delay="0"/>
+                                          </p:stCondLst>
+                                        </p:cTn>
+                                        <p:tgtEl>
+                                          <p:spTgt spid="3"/>
+                                        </p:tgtEl>
+                                        <p:attrNameLst>
+                                          <p:attrName>style.visibility</p:attrName>
+                                        </p:attrNameLst>
+                                      </p:cBhvr>
+                                      <p:to>
+                                        <p:strVal val="visible"/>
+                                      </p:to>
+                                    </p:set>
+                                    <p:animEffect transition="in" filter="fade">
+                                      <p:cBhvr>
+                                        <p:cTn id="45" dur="500"/>
+                                        <p:tgtEl>
+                                          <p:spTgt spid="3"/>
                                         </p:tgtEl>
                                       </p:cBhvr>
                                     </p:animEffect>

--- a/Office Add-Ins.pptx
+++ b/Office Add-Ins.pptx
@@ -7129,7 +7129,7 @@
                       <a:schemeClr val="bg1"/>
                     </a:solidFill>
                   </a:rPr>
-                  <a:t>Command buttons can launch different actions such as showing a task pane with custom HTML or executing a JavaScript function.</a:t>
+                  <a:t>Office Ribbon buttons can launch actions such as showing a task pane with custom HTML or executing a JavaScript function.</a:t>
                 </a:r>
               </a:p>
             </p:txBody>
@@ -7765,7 +7765,7 @@
                               <p:par>
                                 <p:cTn id="15" presetID="12" presetClass="entr" presetSubtype="4" fill="hold" nodeType="afterEffect">
                                   <p:stCondLst>
-                                    <p:cond delay="0"/>
+                                    <p:cond delay="1500"/>
                                   </p:stCondLst>
                                   <p:childTnLst>
                                     <p:set>
@@ -7788,7 +7788,7 @@
                                     </p:set>
                                     <p:anim calcmode="lin" valueType="num">
                                       <p:cBhvr additive="base">
-                                        <p:cTn id="17" dur="500"/>
+                                        <p:cTn id="17" dur="1500"/>
                                         <p:tgtEl>
                                           <p:spTgt spid="54"/>
                                         </p:tgtEl>
@@ -7811,7 +7811,7 @@
                                     </p:anim>
                                     <p:animEffect transition="in" filter="wipe(up)">
                                       <p:cBhvr>
-                                        <p:cTn id="18" dur="500"/>
+                                        <p:cTn id="18" dur="1500"/>
                                         <p:tgtEl>
                                           <p:spTgt spid="54"/>
                                         </p:tgtEl>
@@ -7826,13 +7826,13 @@
                         <p:par>
                           <p:cTn id="19" fill="hold">
                             <p:stCondLst>
-                              <p:cond delay="2000"/>
+                              <p:cond delay="4500"/>
                             </p:stCondLst>
                             <p:childTnLst>
                               <p:par>
                                 <p:cTn id="20" presetID="12" presetClass="entr" presetSubtype="1" fill="hold" nodeType="afterEffect">
                                   <p:stCondLst>
-                                    <p:cond delay="0"/>
+                                    <p:cond delay="1500"/>
                                   </p:stCondLst>
                                   <p:childTnLst>
                                     <p:set>
@@ -7855,7 +7855,7 @@
                                     </p:set>
                                     <p:anim calcmode="lin" valueType="num">
                                       <p:cBhvr additive="base">
-                                        <p:cTn id="22" dur="500"/>
+                                        <p:cTn id="22" dur="1500"/>
                                         <p:tgtEl>
                                           <p:spTgt spid="55"/>
                                         </p:tgtEl>
@@ -7878,7 +7878,7 @@
                                     </p:anim>
                                     <p:animEffect transition="in" filter="wipe(down)">
                                       <p:cBhvr>
-                                        <p:cTn id="23" dur="500"/>
+                                        <p:cTn id="23" dur="1500"/>
                                         <p:tgtEl>
                                           <p:spTgt spid="55"/>
                                         </p:tgtEl>
@@ -7893,13 +7893,13 @@
                         <p:par>
                           <p:cTn id="24" fill="hold">
                             <p:stCondLst>
-                              <p:cond delay="2500"/>
+                              <p:cond delay="7500"/>
                             </p:stCondLst>
                             <p:childTnLst>
                               <p:par>
                                 <p:cTn id="25" presetID="12" presetClass="entr" presetSubtype="4" fill="hold" nodeType="afterEffect">
                                   <p:stCondLst>
-                                    <p:cond delay="0"/>
+                                    <p:cond delay="1500"/>
                                   </p:stCondLst>
                                   <p:childTnLst>
                                     <p:set>
@@ -7922,7 +7922,7 @@
                                     </p:set>
                                     <p:anim calcmode="lin" valueType="num">
                                       <p:cBhvr additive="base">
-                                        <p:cTn id="27" dur="500"/>
+                                        <p:cTn id="27" dur="1500"/>
                                         <p:tgtEl>
                                           <p:spTgt spid="56"/>
                                         </p:tgtEl>
@@ -7945,7 +7945,7 @@
                                     </p:anim>
                                     <p:animEffect transition="in" filter="wipe(up)">
                                       <p:cBhvr>
-                                        <p:cTn id="28" dur="500"/>
+                                        <p:cTn id="28" dur="1500"/>
                                         <p:tgtEl>
                                           <p:spTgt spid="56"/>
                                         </p:tgtEl>

--- a/Office Add-Ins.pptx
+++ b/Office Add-Ins.pptx
@@ -227,7 +227,7 @@
           <a:p>
             <a:fld id="{A52D2F97-E139-4A6A-A5F3-F92C9DA539A8}" type="datetimeFigureOut">
               <a:rPr lang="en-US" smtClean="0"/>
-              <a:t>9/19/2019</a:t>
+              <a:t>9/20/2019</a:t>
             </a:fld>
             <a:endParaRPr lang="en-US" dirty="0"/>
           </a:p>
@@ -11006,7 +11006,23 @@
                   <a:schemeClr val="bg1"/>
                 </a:solidFill>
               </a:rPr>
-              <a:t>Desktop and Office Online (Web) Add-Ins can be debugged using normal F12 developer tools for Online Add-Ins or C:\Windows\SysWOW64\F12\F12Chooser.exe for Desktop Add-Ins.</a:t>
+              <a:t>Desktop and Office Online (Web) Add-Ins can be debugged using normal F12 developer tools for Online Add-Ins or C:\Windows\SysWOW64\</a:t>
+            </a:r>
+            <a:r>
+              <a:rPr lang="en-US" sz="1200">
+                <a:solidFill>
+                  <a:schemeClr val="bg1"/>
+                </a:solidFill>
+              </a:rPr>
+              <a:t>F12\IEChooser</a:t>
+            </a:r>
+            <a:r>
+              <a:rPr lang="en-US" sz="1200" dirty="0">
+                <a:solidFill>
+                  <a:schemeClr val="bg1"/>
+                </a:solidFill>
+              </a:rPr>
+              <a:t>.exe for Desktop Add-Ins.</a:t>
             </a:r>
           </a:p>
         </p:txBody>

--- a/Office Add-Ins.pptx
+++ b/Office Add-Ins.pptx
@@ -5849,7 +5849,7 @@
                   <a:schemeClr val="bg1"/>
                 </a:solidFill>
               </a:rPr>
-              <a:t>Interact with content in Office documents, including data from backend systems.</a:t>
+              <a:t>Interact with content in Office documents (emails, worksheets, etc.), including your data from backend systems.</a:t>
             </a:r>
           </a:p>
         </p:txBody>
@@ -5922,7 +5922,7 @@
                   <a:schemeClr val="bg1"/>
                 </a:solidFill>
               </a:rPr>
-              <a:t>Office (Web) Add-Ins solution can run in Office across multiple platforms, including Windows, Mac, iPad, and in a browser with Office Online. </a:t>
+              <a:t>Office (Web) Add-Ins solution can run in Office across multiple platforms, including Windows, Mac, iPad, and in a browser with Office 365 Online. </a:t>
             </a:r>
           </a:p>
         </p:txBody>
@@ -8211,7 +8211,7 @@
                   <a:schemeClr val="bg1"/>
                 </a:solidFill>
               </a:rPr>
-              <a:t>Key Benefit: Create actionable tasks from your emails on Trello, with its Kanban styled boards and cards.</a:t>
+              <a:t>Key Benefit: Create actionable tasks from your emails on Trello, with its Kanban styled boards and user story cards.</a:t>
             </a:r>
           </a:p>
         </p:txBody>
